--- a/VUEX/02-vuex-api/Vuex&API.pptx
+++ b/VUEX/02-vuex-api/Vuex&API.pptx
@@ -9,6 +9,7 @@
     <p:sldId id="270" r:id="rId3"/>
     <p:sldId id="268" r:id="rId4"/>
     <p:sldId id="269" r:id="rId5"/>
+    <p:sldId id="271" r:id="rId6"/>
   </p:sldIdLst>
   <p:sldSz cx="12192000" cy="6858000"/>
   <p:notesSz cx="6858000" cy="9144000"/>
@@ -274,7 +275,7 @@
           <a:p>
             <a:fld id="{55B5673A-2C76-400E-AECF-A7C5CD58B306}" type="datetimeFigureOut">
               <a:rPr lang="zh-TW" altLang="en-US" smtClean="0"/>
-              <a:t>2020/11/24</a:t>
+              <a:t>2020/11/30</a:t>
             </a:fld>
             <a:endParaRPr lang="zh-TW" altLang="en-US"/>
           </a:p>
@@ -472,7 +473,7 @@
           <a:p>
             <a:fld id="{55B5673A-2C76-400E-AECF-A7C5CD58B306}" type="datetimeFigureOut">
               <a:rPr lang="zh-TW" altLang="en-US" smtClean="0"/>
-              <a:t>2020/11/24</a:t>
+              <a:t>2020/11/30</a:t>
             </a:fld>
             <a:endParaRPr lang="zh-TW" altLang="en-US"/>
           </a:p>
@@ -680,7 +681,7 @@
           <a:p>
             <a:fld id="{55B5673A-2C76-400E-AECF-A7C5CD58B306}" type="datetimeFigureOut">
               <a:rPr lang="zh-TW" altLang="en-US" smtClean="0"/>
-              <a:t>2020/11/24</a:t>
+              <a:t>2020/11/30</a:t>
             </a:fld>
             <a:endParaRPr lang="zh-TW" altLang="en-US"/>
           </a:p>
@@ -878,7 +879,7 @@
           <a:p>
             <a:fld id="{55B5673A-2C76-400E-AECF-A7C5CD58B306}" type="datetimeFigureOut">
               <a:rPr lang="zh-TW" altLang="en-US" smtClean="0"/>
-              <a:t>2020/11/24</a:t>
+              <a:t>2020/11/30</a:t>
             </a:fld>
             <a:endParaRPr lang="zh-TW" altLang="en-US"/>
           </a:p>
@@ -1153,7 +1154,7 @@
           <a:p>
             <a:fld id="{55B5673A-2C76-400E-AECF-A7C5CD58B306}" type="datetimeFigureOut">
               <a:rPr lang="zh-TW" altLang="en-US" smtClean="0"/>
-              <a:t>2020/11/24</a:t>
+              <a:t>2020/11/30</a:t>
             </a:fld>
             <a:endParaRPr lang="zh-TW" altLang="en-US"/>
           </a:p>
@@ -1418,7 +1419,7 @@
           <a:p>
             <a:fld id="{55B5673A-2C76-400E-AECF-A7C5CD58B306}" type="datetimeFigureOut">
               <a:rPr lang="zh-TW" altLang="en-US" smtClean="0"/>
-              <a:t>2020/11/24</a:t>
+              <a:t>2020/11/30</a:t>
             </a:fld>
             <a:endParaRPr lang="zh-TW" altLang="en-US"/>
           </a:p>
@@ -1830,7 +1831,7 @@
           <a:p>
             <a:fld id="{55B5673A-2C76-400E-AECF-A7C5CD58B306}" type="datetimeFigureOut">
               <a:rPr lang="zh-TW" altLang="en-US" smtClean="0"/>
-              <a:t>2020/11/24</a:t>
+              <a:t>2020/11/30</a:t>
             </a:fld>
             <a:endParaRPr lang="zh-TW" altLang="en-US"/>
           </a:p>
@@ -1971,7 +1972,7 @@
           <a:p>
             <a:fld id="{55B5673A-2C76-400E-AECF-A7C5CD58B306}" type="datetimeFigureOut">
               <a:rPr lang="zh-TW" altLang="en-US" smtClean="0"/>
-              <a:t>2020/11/24</a:t>
+              <a:t>2020/11/30</a:t>
             </a:fld>
             <a:endParaRPr lang="zh-TW" altLang="en-US"/>
           </a:p>
@@ -2084,7 +2085,7 @@
           <a:p>
             <a:fld id="{55B5673A-2C76-400E-AECF-A7C5CD58B306}" type="datetimeFigureOut">
               <a:rPr lang="zh-TW" altLang="en-US" smtClean="0"/>
-              <a:t>2020/11/24</a:t>
+              <a:t>2020/11/30</a:t>
             </a:fld>
             <a:endParaRPr lang="zh-TW" altLang="en-US"/>
           </a:p>
@@ -2395,7 +2396,7 @@
           <a:p>
             <a:fld id="{55B5673A-2C76-400E-AECF-A7C5CD58B306}" type="datetimeFigureOut">
               <a:rPr lang="zh-TW" altLang="en-US" smtClean="0"/>
-              <a:t>2020/11/24</a:t>
+              <a:t>2020/11/30</a:t>
             </a:fld>
             <a:endParaRPr lang="zh-TW" altLang="en-US"/>
           </a:p>
@@ -2683,7 +2684,7 @@
           <a:p>
             <a:fld id="{55B5673A-2C76-400E-AECF-A7C5CD58B306}" type="datetimeFigureOut">
               <a:rPr lang="zh-TW" altLang="en-US" smtClean="0"/>
-              <a:t>2020/11/24</a:t>
+              <a:t>2020/11/30</a:t>
             </a:fld>
             <a:endParaRPr lang="zh-TW" altLang="en-US"/>
           </a:p>
@@ -2927,7 +2928,7 @@
           <a:p>
             <a:fld id="{55B5673A-2C76-400E-AECF-A7C5CD58B306}" type="datetimeFigureOut">
               <a:rPr lang="zh-TW" altLang="en-US" smtClean="0"/>
-              <a:t>2020/11/24</a:t>
+              <a:t>2020/11/30</a:t>
             </a:fld>
             <a:endParaRPr lang="zh-TW" altLang="en-US"/>
           </a:p>
@@ -3790,7 +3791,7 @@
         </p:nvSpPr>
         <p:spPr>
           <a:xfrm>
-            <a:off x="655036" y="930019"/>
+            <a:off x="598597" y="930019"/>
             <a:ext cx="10780327" cy="2498981"/>
           </a:xfrm>
           <a:prstGeom prst="rect">
@@ -3837,7 +3838,7 @@
         </p:nvSpPr>
         <p:spPr>
           <a:xfrm>
-            <a:off x="880323" y="1152036"/>
+            <a:off x="863284" y="1146357"/>
             <a:ext cx="9325744" cy="2031325"/>
           </a:xfrm>
           <a:prstGeom prst="rect">
@@ -4704,6 +4705,1114 @@
     <p:extLst>
       <p:ext uri="{BB962C8B-B14F-4D97-AF65-F5344CB8AC3E}">
         <p14:creationId xmlns:p14="http://schemas.microsoft.com/office/powerpoint/2010/main" val="2680529123"/>
+      </p:ext>
+    </p:extLst>
+  </p:cSld>
+  <p:clrMapOvr>
+    <a:masterClrMapping/>
+  </p:clrMapOvr>
+</p:sld>
+</file>
+
+<file path=ppt/slides/slide5.xml><?xml version="1.0" encoding="utf-8"?>
+<p:sld xmlns:a="http://schemas.openxmlformats.org/drawingml/2006/main" xmlns:r="http://schemas.openxmlformats.org/officeDocument/2006/relationships" xmlns:p="http://schemas.openxmlformats.org/presentationml/2006/main">
+  <p:cSld>
+    <p:spTree>
+      <p:nvGrpSpPr>
+        <p:cNvPr id="1" name=""/>
+        <p:cNvGrpSpPr/>
+        <p:nvPr/>
+      </p:nvGrpSpPr>
+      <p:grpSpPr>
+        <a:xfrm>
+          <a:off x="0" y="0"/>
+          <a:ext cx="0" cy="0"/>
+          <a:chOff x="0" y="0"/>
+          <a:chExt cx="0" cy="0"/>
+        </a:xfrm>
+      </p:grpSpPr>
+      <p:sp>
+        <p:nvSpPr>
+          <p:cNvPr id="4" name="矩形 3">
+            <a:extLst>
+              <a:ext uri="{FF2B5EF4-FFF2-40B4-BE49-F238E27FC236}">
+                <a16:creationId xmlns:a16="http://schemas.microsoft.com/office/drawing/2014/main" id="{ACF05759-4BF1-46D3-BB52-DEEE040896D2}"/>
+              </a:ext>
+            </a:extLst>
+          </p:cNvPr>
+          <p:cNvSpPr/>
+          <p:nvPr/>
+        </p:nvSpPr>
+        <p:spPr>
+          <a:xfrm>
+            <a:off x="7389351" y="351561"/>
+            <a:ext cx="4407673" cy="2343930"/>
+          </a:xfrm>
+          <a:prstGeom prst="rect">
+            <a:avLst/>
+          </a:prstGeom>
+          <a:ln/>
+        </p:spPr>
+        <p:style>
+          <a:lnRef idx="2">
+            <a:schemeClr val="dk1">
+              <a:shade val="50000"/>
+            </a:schemeClr>
+          </a:lnRef>
+          <a:fillRef idx="1">
+            <a:schemeClr val="dk1"/>
+          </a:fillRef>
+          <a:effectRef idx="0">
+            <a:schemeClr val="dk1"/>
+          </a:effectRef>
+          <a:fontRef idx="minor">
+            <a:schemeClr val="lt1"/>
+          </a:fontRef>
+        </p:style>
+        <p:txBody>
+          <a:bodyPr rtlCol="0" anchor="ctr"/>
+          <a:lstStyle/>
+          <a:p>
+            <a:pPr algn="ctr"/>
+            <a:endParaRPr lang="zh-TW" altLang="en-US"/>
+          </a:p>
+        </p:txBody>
+      </p:sp>
+      <p:sp>
+        <p:nvSpPr>
+          <p:cNvPr id="6" name="文字方塊 5">
+            <a:extLst>
+              <a:ext uri="{FF2B5EF4-FFF2-40B4-BE49-F238E27FC236}">
+                <a16:creationId xmlns:a16="http://schemas.microsoft.com/office/drawing/2014/main" id="{FA71DDB6-6D28-4456-9A55-3463AD1E4D87}"/>
+              </a:ext>
+            </a:extLst>
+          </p:cNvPr>
+          <p:cNvSpPr txBox="1"/>
+          <p:nvPr/>
+        </p:nvSpPr>
+        <p:spPr>
+          <a:xfrm>
+            <a:off x="7389351" y="691995"/>
+            <a:ext cx="4407673" cy="1600438"/>
+          </a:xfrm>
+          <a:prstGeom prst="rect">
+            <a:avLst/>
+          </a:prstGeom>
+          <a:noFill/>
+        </p:spPr>
+        <p:txBody>
+          <a:bodyPr wrap="square">
+            <a:spAutoFit/>
+          </a:bodyPr>
+          <a:lstStyle/>
+          <a:p>
+            <a:r>
+              <a:rPr lang="en-US" altLang="zh-TW" sz="1400" b="0" dirty="0">
+                <a:solidFill>
+                  <a:srgbClr val="F8F8F2"/>
+                </a:solidFill>
+                <a:effectLst/>
+                <a:latin typeface="Consolas" panose="020B0609020204030204" pitchFamily="49" charset="0"/>
+              </a:rPr>
+              <a:t>    </a:t>
+            </a:r>
+            <a:r>
+              <a:rPr lang="en-US" altLang="zh-TW" sz="1400" b="0" dirty="0" err="1">
+                <a:solidFill>
+                  <a:srgbClr val="A6E22E"/>
+                </a:solidFill>
+                <a:effectLst/>
+                <a:latin typeface="Consolas" panose="020B0609020204030204" pitchFamily="49" charset="0"/>
+              </a:rPr>
+              <a:t>handInit</a:t>
+            </a:r>
+            <a:r>
+              <a:rPr lang="en-US" altLang="zh-TW" sz="1400" b="0" dirty="0">
+                <a:solidFill>
+                  <a:srgbClr val="F8F8F2"/>
+                </a:solidFill>
+                <a:effectLst/>
+                <a:latin typeface="Consolas" panose="020B0609020204030204" pitchFamily="49" charset="0"/>
+              </a:rPr>
+              <a:t>({ commit }) {</a:t>
+            </a:r>
+          </a:p>
+          <a:p>
+            <a:r>
+              <a:rPr lang="en-US" altLang="zh-TW" sz="1400" b="0" dirty="0">
+                <a:solidFill>
+                  <a:srgbClr val="F8F8F2"/>
+                </a:solidFill>
+                <a:effectLst/>
+                <a:latin typeface="Consolas" panose="020B0609020204030204" pitchFamily="49" charset="0"/>
+              </a:rPr>
+              <a:t>      </a:t>
+            </a:r>
+            <a:r>
+              <a:rPr lang="en-US" altLang="zh-TW" sz="1400" b="0" i="1" dirty="0">
+                <a:solidFill>
+                  <a:srgbClr val="66D9EF"/>
+                </a:solidFill>
+                <a:effectLst/>
+                <a:latin typeface="Consolas" panose="020B0609020204030204" pitchFamily="49" charset="0"/>
+              </a:rPr>
+              <a:t>const</a:t>
+            </a:r>
+            <a:r>
+              <a:rPr lang="en-US" altLang="zh-TW" sz="1400" b="0" dirty="0">
+                <a:solidFill>
+                  <a:srgbClr val="F8F8F2"/>
+                </a:solidFill>
+                <a:effectLst/>
+                <a:latin typeface="Consolas" panose="020B0609020204030204" pitchFamily="49" charset="0"/>
+              </a:rPr>
+              <a:t> res </a:t>
+            </a:r>
+            <a:r>
+              <a:rPr lang="en-US" altLang="zh-TW" sz="1400" b="0" dirty="0">
+                <a:solidFill>
+                  <a:srgbClr val="F92672"/>
+                </a:solidFill>
+                <a:effectLst/>
+                <a:latin typeface="Consolas" panose="020B0609020204030204" pitchFamily="49" charset="0"/>
+              </a:rPr>
+              <a:t>=</a:t>
+            </a:r>
+            <a:r>
+              <a:rPr lang="en-US" altLang="zh-TW" sz="1400" b="0" dirty="0">
+                <a:solidFill>
+                  <a:srgbClr val="F8F8F2"/>
+                </a:solidFill>
+                <a:effectLst/>
+                <a:latin typeface="Consolas" panose="020B0609020204030204" pitchFamily="49" charset="0"/>
+              </a:rPr>
+              <a:t> </a:t>
+            </a:r>
+            <a:r>
+              <a:rPr lang="en-US" altLang="zh-TW" sz="1400" b="0" dirty="0" err="1">
+                <a:solidFill>
+                  <a:srgbClr val="A6E22E"/>
+                </a:solidFill>
+                <a:effectLst/>
+                <a:latin typeface="Consolas" panose="020B0609020204030204" pitchFamily="49" charset="0"/>
+              </a:rPr>
+              <a:t>apiGetPhotoList</a:t>
+            </a:r>
+            <a:r>
+              <a:rPr lang="en-US" altLang="zh-TW" sz="1400" b="0" dirty="0">
+                <a:solidFill>
+                  <a:srgbClr val="F8F8F2"/>
+                </a:solidFill>
+                <a:effectLst/>
+                <a:latin typeface="Consolas" panose="020B0609020204030204" pitchFamily="49" charset="0"/>
+              </a:rPr>
+              <a:t>();</a:t>
+            </a:r>
+          </a:p>
+          <a:p>
+            <a:r>
+              <a:rPr lang="en-US" altLang="zh-TW" sz="1400" b="0" dirty="0">
+                <a:solidFill>
+                  <a:srgbClr val="F8F8F2"/>
+                </a:solidFill>
+                <a:effectLst/>
+                <a:latin typeface="Consolas" panose="020B0609020204030204" pitchFamily="49" charset="0"/>
+              </a:rPr>
+              <a:t>      </a:t>
+            </a:r>
+            <a:r>
+              <a:rPr lang="en-US" altLang="zh-TW" sz="1400" b="0" dirty="0">
+                <a:solidFill>
+                  <a:srgbClr val="F92672"/>
+                </a:solidFill>
+                <a:effectLst/>
+                <a:latin typeface="Consolas" panose="020B0609020204030204" pitchFamily="49" charset="0"/>
+              </a:rPr>
+              <a:t>return</a:t>
+            </a:r>
+            <a:r>
+              <a:rPr lang="en-US" altLang="zh-TW" sz="1400" b="0" dirty="0">
+                <a:solidFill>
+                  <a:srgbClr val="F8F8F2"/>
+                </a:solidFill>
+                <a:effectLst/>
+                <a:latin typeface="Consolas" panose="020B0609020204030204" pitchFamily="49" charset="0"/>
+              </a:rPr>
+              <a:t> </a:t>
+            </a:r>
+            <a:r>
+              <a:rPr lang="en-US" altLang="zh-TW" sz="1400" b="0" dirty="0" err="1">
+                <a:solidFill>
+                  <a:srgbClr val="F8F8F2"/>
+                </a:solidFill>
+                <a:effectLst/>
+                <a:latin typeface="Consolas" panose="020B0609020204030204" pitchFamily="49" charset="0"/>
+              </a:rPr>
+              <a:t>res</a:t>
+            </a:r>
+            <a:r>
+              <a:rPr lang="en-US" altLang="zh-TW" sz="1400" b="0" dirty="0" err="1">
+                <a:solidFill>
+                  <a:srgbClr val="F92672"/>
+                </a:solidFill>
+                <a:effectLst/>
+                <a:latin typeface="Consolas" panose="020B0609020204030204" pitchFamily="49" charset="0"/>
+              </a:rPr>
+              <a:t>.</a:t>
+            </a:r>
+            <a:r>
+              <a:rPr lang="en-US" altLang="zh-TW" sz="1400" b="0" dirty="0" err="1">
+                <a:solidFill>
+                  <a:srgbClr val="A6E22E"/>
+                </a:solidFill>
+                <a:effectLst/>
+                <a:latin typeface="Consolas" panose="020B0609020204030204" pitchFamily="49" charset="0"/>
+              </a:rPr>
+              <a:t>then</a:t>
+            </a:r>
+            <a:r>
+              <a:rPr lang="en-US" altLang="zh-TW" sz="1400" b="0" dirty="0">
+                <a:solidFill>
+                  <a:srgbClr val="F8F8F2"/>
+                </a:solidFill>
+                <a:effectLst/>
+                <a:latin typeface="Consolas" panose="020B0609020204030204" pitchFamily="49" charset="0"/>
+              </a:rPr>
+              <a:t>((response) </a:t>
+            </a:r>
+            <a:r>
+              <a:rPr lang="en-US" altLang="zh-TW" sz="1400" b="0" i="1" dirty="0">
+                <a:solidFill>
+                  <a:srgbClr val="66D9EF"/>
+                </a:solidFill>
+                <a:effectLst/>
+                <a:latin typeface="Consolas" panose="020B0609020204030204" pitchFamily="49" charset="0"/>
+              </a:rPr>
+              <a:t>=&gt;</a:t>
+            </a:r>
+            <a:r>
+              <a:rPr lang="en-US" altLang="zh-TW" sz="1400" b="0" dirty="0">
+                <a:solidFill>
+                  <a:srgbClr val="F8F8F2"/>
+                </a:solidFill>
+                <a:effectLst/>
+                <a:latin typeface="Consolas" panose="020B0609020204030204" pitchFamily="49" charset="0"/>
+              </a:rPr>
+              <a:t> {</a:t>
+            </a:r>
+          </a:p>
+          <a:p>
+            <a:r>
+              <a:rPr lang="en-US" altLang="zh-TW" sz="1400" b="0" dirty="0">
+                <a:solidFill>
+                  <a:srgbClr val="F8F8F2"/>
+                </a:solidFill>
+                <a:effectLst/>
+                <a:latin typeface="Consolas" panose="020B0609020204030204" pitchFamily="49" charset="0"/>
+              </a:rPr>
+              <a:t>        </a:t>
+            </a:r>
+            <a:r>
+              <a:rPr lang="en-US" altLang="zh-TW" sz="1400" b="0" dirty="0">
+                <a:solidFill>
+                  <a:srgbClr val="A6E22E"/>
+                </a:solidFill>
+                <a:effectLst/>
+                <a:latin typeface="Consolas" panose="020B0609020204030204" pitchFamily="49" charset="0"/>
+              </a:rPr>
+              <a:t>commit</a:t>
+            </a:r>
+            <a:r>
+              <a:rPr lang="en-US" altLang="zh-TW" sz="1400" b="0" dirty="0">
+                <a:solidFill>
+                  <a:srgbClr val="F8F8F2"/>
+                </a:solidFill>
+                <a:effectLst/>
+                <a:latin typeface="Consolas" panose="020B0609020204030204" pitchFamily="49" charset="0"/>
+              </a:rPr>
+              <a:t>(</a:t>
+            </a:r>
+            <a:r>
+              <a:rPr lang="en-US" altLang="zh-TW" sz="1400" b="0" dirty="0">
+                <a:solidFill>
+                  <a:srgbClr val="FFEE99"/>
+                </a:solidFill>
+                <a:effectLst/>
+                <a:latin typeface="Consolas" panose="020B0609020204030204" pitchFamily="49" charset="0"/>
+              </a:rPr>
+              <a:t>"</a:t>
+            </a:r>
+            <a:r>
+              <a:rPr lang="en-US" altLang="zh-TW" sz="1400" b="0" dirty="0" err="1">
+                <a:solidFill>
+                  <a:srgbClr val="FFEE99"/>
+                </a:solidFill>
+                <a:effectLst/>
+                <a:latin typeface="Consolas" panose="020B0609020204030204" pitchFamily="49" charset="0"/>
+              </a:rPr>
+              <a:t>init</a:t>
+            </a:r>
+            <a:r>
+              <a:rPr lang="en-US" altLang="zh-TW" sz="1400" b="0" dirty="0">
+                <a:solidFill>
+                  <a:srgbClr val="FFEE99"/>
+                </a:solidFill>
+                <a:effectLst/>
+                <a:latin typeface="Consolas" panose="020B0609020204030204" pitchFamily="49" charset="0"/>
+              </a:rPr>
+              <a:t>"</a:t>
+            </a:r>
+            <a:r>
+              <a:rPr lang="en-US" altLang="zh-TW" sz="1400" b="0" dirty="0">
+                <a:solidFill>
+                  <a:srgbClr val="F8F8F2"/>
+                </a:solidFill>
+                <a:effectLst/>
+                <a:latin typeface="Consolas" panose="020B0609020204030204" pitchFamily="49" charset="0"/>
+              </a:rPr>
+              <a:t>, </a:t>
+            </a:r>
+            <a:r>
+              <a:rPr lang="en-US" altLang="zh-TW" sz="1400" b="0" dirty="0" err="1">
+                <a:solidFill>
+                  <a:srgbClr val="F8F8F2"/>
+                </a:solidFill>
+                <a:effectLst/>
+                <a:latin typeface="Consolas" panose="020B0609020204030204" pitchFamily="49" charset="0"/>
+              </a:rPr>
+              <a:t>response</a:t>
+            </a:r>
+            <a:r>
+              <a:rPr lang="en-US" altLang="zh-TW" sz="1400" b="0" dirty="0" err="1">
+                <a:solidFill>
+                  <a:srgbClr val="F92672"/>
+                </a:solidFill>
+                <a:effectLst/>
+                <a:latin typeface="Consolas" panose="020B0609020204030204" pitchFamily="49" charset="0"/>
+              </a:rPr>
+              <a:t>.</a:t>
+            </a:r>
+            <a:r>
+              <a:rPr lang="en-US" altLang="zh-TW" sz="1400" b="0" dirty="0" err="1">
+                <a:solidFill>
+                  <a:srgbClr val="F8F8F2"/>
+                </a:solidFill>
+                <a:effectLst/>
+                <a:latin typeface="Consolas" panose="020B0609020204030204" pitchFamily="49" charset="0"/>
+              </a:rPr>
+              <a:t>data</a:t>
+            </a:r>
+            <a:r>
+              <a:rPr lang="en-US" altLang="zh-TW" sz="1400" b="0" dirty="0">
+                <a:solidFill>
+                  <a:srgbClr val="F8F8F2"/>
+                </a:solidFill>
+                <a:effectLst/>
+                <a:latin typeface="Consolas" panose="020B0609020204030204" pitchFamily="49" charset="0"/>
+              </a:rPr>
+              <a:t>);</a:t>
+            </a:r>
+          </a:p>
+          <a:p>
+            <a:r>
+              <a:rPr lang="en-US" altLang="zh-TW" sz="1400" b="0" dirty="0">
+                <a:solidFill>
+                  <a:srgbClr val="F8F8F2"/>
+                </a:solidFill>
+                <a:effectLst/>
+                <a:latin typeface="Consolas" panose="020B0609020204030204" pitchFamily="49" charset="0"/>
+              </a:rPr>
+              <a:t>        </a:t>
+            </a:r>
+            <a:r>
+              <a:rPr lang="en-US" altLang="zh-TW" sz="1400" b="0" dirty="0">
+                <a:solidFill>
+                  <a:srgbClr val="F92672"/>
+                </a:solidFill>
+                <a:effectLst/>
+                <a:latin typeface="Consolas" panose="020B0609020204030204" pitchFamily="49" charset="0"/>
+              </a:rPr>
+              <a:t>return</a:t>
+            </a:r>
+            <a:r>
+              <a:rPr lang="en-US" altLang="zh-TW" sz="1400" b="0" dirty="0">
+                <a:solidFill>
+                  <a:srgbClr val="F8F8F2"/>
+                </a:solidFill>
+                <a:effectLst/>
+                <a:latin typeface="Consolas" panose="020B0609020204030204" pitchFamily="49" charset="0"/>
+              </a:rPr>
+              <a:t> </a:t>
+            </a:r>
+            <a:r>
+              <a:rPr lang="en-US" altLang="zh-TW" sz="1400" b="0" dirty="0" err="1">
+                <a:solidFill>
+                  <a:srgbClr val="F8F8F2"/>
+                </a:solidFill>
+                <a:effectLst/>
+                <a:latin typeface="Consolas" panose="020B0609020204030204" pitchFamily="49" charset="0"/>
+              </a:rPr>
+              <a:t>response</a:t>
+            </a:r>
+            <a:r>
+              <a:rPr lang="en-US" altLang="zh-TW" sz="1400" b="0" dirty="0" err="1">
+                <a:solidFill>
+                  <a:srgbClr val="F92672"/>
+                </a:solidFill>
+                <a:effectLst/>
+                <a:latin typeface="Consolas" panose="020B0609020204030204" pitchFamily="49" charset="0"/>
+              </a:rPr>
+              <a:t>.</a:t>
+            </a:r>
+            <a:r>
+              <a:rPr lang="en-US" altLang="zh-TW" sz="1400" b="0" dirty="0" err="1">
+                <a:solidFill>
+                  <a:srgbClr val="F8F8F2"/>
+                </a:solidFill>
+                <a:effectLst/>
+                <a:latin typeface="Consolas" panose="020B0609020204030204" pitchFamily="49" charset="0"/>
+              </a:rPr>
+              <a:t>data</a:t>
+            </a:r>
+            <a:r>
+              <a:rPr lang="en-US" altLang="zh-TW" sz="1400" b="0" dirty="0">
+                <a:solidFill>
+                  <a:srgbClr val="F8F8F2"/>
+                </a:solidFill>
+                <a:effectLst/>
+                <a:latin typeface="Consolas" panose="020B0609020204030204" pitchFamily="49" charset="0"/>
+              </a:rPr>
+              <a:t>;</a:t>
+            </a:r>
+          </a:p>
+          <a:p>
+            <a:r>
+              <a:rPr lang="en-US" altLang="zh-TW" sz="1400" b="0" dirty="0">
+                <a:solidFill>
+                  <a:srgbClr val="F8F8F2"/>
+                </a:solidFill>
+                <a:effectLst/>
+                <a:latin typeface="Consolas" panose="020B0609020204030204" pitchFamily="49" charset="0"/>
+              </a:rPr>
+              <a:t>      });</a:t>
+            </a:r>
+          </a:p>
+          <a:p>
+            <a:r>
+              <a:rPr lang="en-US" altLang="zh-TW" sz="1400" b="0" dirty="0">
+                <a:solidFill>
+                  <a:srgbClr val="F8F8F2"/>
+                </a:solidFill>
+                <a:effectLst/>
+                <a:latin typeface="Consolas" panose="020B0609020204030204" pitchFamily="49" charset="0"/>
+              </a:rPr>
+              <a:t>    },</a:t>
+            </a:r>
+          </a:p>
+        </p:txBody>
+      </p:sp>
+      <p:sp>
+        <p:nvSpPr>
+          <p:cNvPr id="7" name="矩形 6">
+            <a:extLst>
+              <a:ext uri="{FF2B5EF4-FFF2-40B4-BE49-F238E27FC236}">
+                <a16:creationId xmlns:a16="http://schemas.microsoft.com/office/drawing/2014/main" id="{A7B2A441-1198-479A-A372-888032F4B98E}"/>
+              </a:ext>
+            </a:extLst>
+          </p:cNvPr>
+          <p:cNvSpPr/>
+          <p:nvPr/>
+        </p:nvSpPr>
+        <p:spPr>
+          <a:xfrm>
+            <a:off x="394976" y="1987826"/>
+            <a:ext cx="6522660" cy="3609893"/>
+          </a:xfrm>
+          <a:prstGeom prst="rect">
+            <a:avLst/>
+          </a:prstGeom>
+          <a:ln/>
+        </p:spPr>
+        <p:style>
+          <a:lnRef idx="2">
+            <a:schemeClr val="dk1">
+              <a:shade val="50000"/>
+            </a:schemeClr>
+          </a:lnRef>
+          <a:fillRef idx="1">
+            <a:schemeClr val="dk1"/>
+          </a:fillRef>
+          <a:effectRef idx="0">
+            <a:schemeClr val="dk1"/>
+          </a:effectRef>
+          <a:fontRef idx="minor">
+            <a:schemeClr val="lt1"/>
+          </a:fontRef>
+        </p:style>
+        <p:txBody>
+          <a:bodyPr rtlCol="0" anchor="ctr"/>
+          <a:lstStyle/>
+          <a:p>
+            <a:pPr algn="ctr"/>
+            <a:endParaRPr lang="zh-TW" altLang="en-US"/>
+          </a:p>
+        </p:txBody>
+      </p:sp>
+      <p:sp>
+        <p:nvSpPr>
+          <p:cNvPr id="9" name="文字方塊 8">
+            <a:extLst>
+              <a:ext uri="{FF2B5EF4-FFF2-40B4-BE49-F238E27FC236}">
+                <a16:creationId xmlns:a16="http://schemas.microsoft.com/office/drawing/2014/main" id="{E6B6FCEB-7AB5-4AAF-BC32-492E1E82B52A}"/>
+              </a:ext>
+            </a:extLst>
+          </p:cNvPr>
+          <p:cNvSpPr txBox="1"/>
+          <p:nvPr/>
+        </p:nvSpPr>
+        <p:spPr>
+          <a:xfrm>
+            <a:off x="394976" y="2530973"/>
+            <a:ext cx="6522660" cy="2585323"/>
+          </a:xfrm>
+          <a:prstGeom prst="rect">
+            <a:avLst/>
+          </a:prstGeom>
+          <a:noFill/>
+        </p:spPr>
+        <p:txBody>
+          <a:bodyPr wrap="square">
+            <a:spAutoFit/>
+          </a:bodyPr>
+          <a:lstStyle/>
+          <a:p>
+            <a:r>
+              <a:rPr lang="en-US" altLang="zh-TW" b="0" dirty="0">
+                <a:solidFill>
+                  <a:srgbClr val="F8F8F2"/>
+                </a:solidFill>
+                <a:effectLst/>
+                <a:latin typeface="Consolas" panose="020B0609020204030204" pitchFamily="49" charset="0"/>
+              </a:rPr>
+              <a:t>    </a:t>
+            </a:r>
+            <a:r>
+              <a:rPr lang="en-US" altLang="zh-TW" b="0" i="1" dirty="0">
+                <a:solidFill>
+                  <a:srgbClr val="66D9EF"/>
+                </a:solidFill>
+                <a:effectLst/>
+                <a:latin typeface="Consolas" panose="020B0609020204030204" pitchFamily="49" charset="0"/>
+              </a:rPr>
+              <a:t>async</a:t>
+            </a:r>
+            <a:r>
+              <a:rPr lang="en-US" altLang="zh-TW" b="0" dirty="0">
+                <a:solidFill>
+                  <a:srgbClr val="F8F8F2"/>
+                </a:solidFill>
+                <a:effectLst/>
+                <a:latin typeface="Consolas" panose="020B0609020204030204" pitchFamily="49" charset="0"/>
+              </a:rPr>
+              <a:t> </a:t>
+            </a:r>
+            <a:r>
+              <a:rPr lang="en-US" altLang="zh-TW" b="0" dirty="0" err="1">
+                <a:solidFill>
+                  <a:srgbClr val="A6E22E"/>
+                </a:solidFill>
+                <a:effectLst/>
+                <a:latin typeface="Consolas" panose="020B0609020204030204" pitchFamily="49" charset="0"/>
+              </a:rPr>
+              <a:t>handInit</a:t>
+            </a:r>
+            <a:r>
+              <a:rPr lang="en-US" altLang="zh-TW" b="0" dirty="0">
+                <a:solidFill>
+                  <a:srgbClr val="F8F8F2"/>
+                </a:solidFill>
+                <a:effectLst/>
+                <a:latin typeface="Consolas" panose="020B0609020204030204" pitchFamily="49" charset="0"/>
+              </a:rPr>
+              <a:t>({ commit }) {</a:t>
+            </a:r>
+          </a:p>
+          <a:p>
+            <a:r>
+              <a:rPr lang="en-US" altLang="zh-TW" b="0" dirty="0">
+                <a:solidFill>
+                  <a:srgbClr val="F8F8F2"/>
+                </a:solidFill>
+                <a:effectLst/>
+                <a:latin typeface="Consolas" panose="020B0609020204030204" pitchFamily="49" charset="0"/>
+              </a:rPr>
+              <a:t>      </a:t>
+            </a:r>
+            <a:r>
+              <a:rPr lang="en-US" altLang="zh-TW" b="0" dirty="0">
+                <a:solidFill>
+                  <a:srgbClr val="F92672"/>
+                </a:solidFill>
+                <a:effectLst/>
+                <a:latin typeface="Consolas" panose="020B0609020204030204" pitchFamily="49" charset="0"/>
+              </a:rPr>
+              <a:t>try</a:t>
+            </a:r>
+            <a:r>
+              <a:rPr lang="en-US" altLang="zh-TW" b="0" dirty="0">
+                <a:solidFill>
+                  <a:srgbClr val="F8F8F2"/>
+                </a:solidFill>
+                <a:effectLst/>
+                <a:latin typeface="Consolas" panose="020B0609020204030204" pitchFamily="49" charset="0"/>
+              </a:rPr>
+              <a:t> {</a:t>
+            </a:r>
+          </a:p>
+          <a:p>
+            <a:r>
+              <a:rPr lang="en-US" altLang="zh-TW" b="0" dirty="0">
+                <a:solidFill>
+                  <a:srgbClr val="F8F8F2"/>
+                </a:solidFill>
+                <a:effectLst/>
+                <a:latin typeface="Consolas" panose="020B0609020204030204" pitchFamily="49" charset="0"/>
+              </a:rPr>
+              <a:t>        </a:t>
+            </a:r>
+            <a:r>
+              <a:rPr lang="en-US" altLang="zh-TW" b="0" i="1" dirty="0">
+                <a:solidFill>
+                  <a:srgbClr val="66D9EF"/>
+                </a:solidFill>
+                <a:effectLst/>
+                <a:latin typeface="Consolas" panose="020B0609020204030204" pitchFamily="49" charset="0"/>
+              </a:rPr>
+              <a:t>const</a:t>
+            </a:r>
+            <a:r>
+              <a:rPr lang="en-US" altLang="zh-TW" b="0" dirty="0">
+                <a:solidFill>
+                  <a:srgbClr val="F8F8F2"/>
+                </a:solidFill>
+                <a:effectLst/>
+                <a:latin typeface="Consolas" panose="020B0609020204030204" pitchFamily="49" charset="0"/>
+              </a:rPr>
+              <a:t> res </a:t>
+            </a:r>
+            <a:r>
+              <a:rPr lang="en-US" altLang="zh-TW" b="0" dirty="0">
+                <a:solidFill>
+                  <a:srgbClr val="F92672"/>
+                </a:solidFill>
+                <a:effectLst/>
+                <a:latin typeface="Consolas" panose="020B0609020204030204" pitchFamily="49" charset="0"/>
+              </a:rPr>
+              <a:t>=</a:t>
+            </a:r>
+            <a:r>
+              <a:rPr lang="en-US" altLang="zh-TW" b="0" dirty="0">
+                <a:solidFill>
+                  <a:srgbClr val="F8F8F2"/>
+                </a:solidFill>
+                <a:effectLst/>
+                <a:latin typeface="Consolas" panose="020B0609020204030204" pitchFamily="49" charset="0"/>
+              </a:rPr>
+              <a:t> </a:t>
+            </a:r>
+            <a:r>
+              <a:rPr lang="en-US" altLang="zh-TW" b="0" dirty="0">
+                <a:solidFill>
+                  <a:srgbClr val="F92672"/>
+                </a:solidFill>
+                <a:effectLst/>
+                <a:latin typeface="Consolas" panose="020B0609020204030204" pitchFamily="49" charset="0"/>
+              </a:rPr>
+              <a:t>await</a:t>
+            </a:r>
+            <a:r>
+              <a:rPr lang="en-US" altLang="zh-TW" b="0" dirty="0">
+                <a:solidFill>
+                  <a:srgbClr val="F8F8F2"/>
+                </a:solidFill>
+                <a:effectLst/>
+                <a:latin typeface="Consolas" panose="020B0609020204030204" pitchFamily="49" charset="0"/>
+              </a:rPr>
+              <a:t> </a:t>
+            </a:r>
+            <a:r>
+              <a:rPr lang="en-US" altLang="zh-TW" b="0" dirty="0" err="1">
+                <a:solidFill>
+                  <a:srgbClr val="A6E22E"/>
+                </a:solidFill>
+                <a:effectLst/>
+                <a:latin typeface="Consolas" panose="020B0609020204030204" pitchFamily="49" charset="0"/>
+              </a:rPr>
+              <a:t>apiGetPhotoList</a:t>
+            </a:r>
+            <a:r>
+              <a:rPr lang="en-US" altLang="zh-TW" b="0" dirty="0">
+                <a:solidFill>
+                  <a:srgbClr val="F8F8F2"/>
+                </a:solidFill>
+                <a:effectLst/>
+                <a:latin typeface="Consolas" panose="020B0609020204030204" pitchFamily="49" charset="0"/>
+              </a:rPr>
+              <a:t>();</a:t>
+            </a:r>
+          </a:p>
+          <a:p>
+            <a:r>
+              <a:rPr lang="en-US" altLang="zh-TW" b="0" dirty="0">
+                <a:solidFill>
+                  <a:srgbClr val="F8F8F2"/>
+                </a:solidFill>
+                <a:effectLst/>
+                <a:latin typeface="Consolas" panose="020B0609020204030204" pitchFamily="49" charset="0"/>
+              </a:rPr>
+              <a:t>        </a:t>
+            </a:r>
+            <a:r>
+              <a:rPr lang="en-US" altLang="zh-TW" b="0" dirty="0">
+                <a:solidFill>
+                  <a:srgbClr val="A6E22E"/>
+                </a:solidFill>
+                <a:effectLst/>
+                <a:latin typeface="Consolas" panose="020B0609020204030204" pitchFamily="49" charset="0"/>
+              </a:rPr>
+              <a:t>commit</a:t>
+            </a:r>
+            <a:r>
+              <a:rPr lang="en-US" altLang="zh-TW" b="0" dirty="0">
+                <a:solidFill>
+                  <a:srgbClr val="F8F8F2"/>
+                </a:solidFill>
+                <a:effectLst/>
+                <a:latin typeface="Consolas" panose="020B0609020204030204" pitchFamily="49" charset="0"/>
+              </a:rPr>
+              <a:t>(</a:t>
+            </a:r>
+            <a:r>
+              <a:rPr lang="en-US" altLang="zh-TW" b="0" dirty="0">
+                <a:solidFill>
+                  <a:srgbClr val="FFEE99"/>
+                </a:solidFill>
+                <a:effectLst/>
+                <a:latin typeface="Consolas" panose="020B0609020204030204" pitchFamily="49" charset="0"/>
+              </a:rPr>
+              <a:t>"</a:t>
+            </a:r>
+            <a:r>
+              <a:rPr lang="en-US" altLang="zh-TW" b="0" dirty="0" err="1">
+                <a:solidFill>
+                  <a:srgbClr val="FFEE99"/>
+                </a:solidFill>
+                <a:effectLst/>
+                <a:latin typeface="Consolas" panose="020B0609020204030204" pitchFamily="49" charset="0"/>
+              </a:rPr>
+              <a:t>setPhoto</a:t>
+            </a:r>
+            <a:r>
+              <a:rPr lang="en-US" altLang="zh-TW" b="0" dirty="0">
+                <a:solidFill>
+                  <a:srgbClr val="FFEE99"/>
+                </a:solidFill>
+                <a:effectLst/>
+                <a:latin typeface="Consolas" panose="020B0609020204030204" pitchFamily="49" charset="0"/>
+              </a:rPr>
+              <a:t>"</a:t>
+            </a:r>
+            <a:r>
+              <a:rPr lang="en-US" altLang="zh-TW" b="0" dirty="0">
+                <a:solidFill>
+                  <a:srgbClr val="F8F8F2"/>
+                </a:solidFill>
+                <a:effectLst/>
+                <a:latin typeface="Consolas" panose="020B0609020204030204" pitchFamily="49" charset="0"/>
+              </a:rPr>
+              <a:t>, </a:t>
+            </a:r>
+            <a:r>
+              <a:rPr lang="en-US" altLang="zh-TW" b="0" dirty="0" err="1">
+                <a:solidFill>
+                  <a:srgbClr val="F8F8F2"/>
+                </a:solidFill>
+                <a:effectLst/>
+                <a:latin typeface="Consolas" panose="020B0609020204030204" pitchFamily="49" charset="0"/>
+              </a:rPr>
+              <a:t>res</a:t>
+            </a:r>
+            <a:r>
+              <a:rPr lang="en-US" altLang="zh-TW" b="0" dirty="0" err="1">
+                <a:solidFill>
+                  <a:srgbClr val="F92672"/>
+                </a:solidFill>
+                <a:effectLst/>
+                <a:latin typeface="Consolas" panose="020B0609020204030204" pitchFamily="49" charset="0"/>
+              </a:rPr>
+              <a:t>.</a:t>
+            </a:r>
+            <a:r>
+              <a:rPr lang="en-US" altLang="zh-TW" b="0" dirty="0" err="1">
+                <a:solidFill>
+                  <a:srgbClr val="F8F8F2"/>
+                </a:solidFill>
+                <a:effectLst/>
+                <a:latin typeface="Consolas" panose="020B0609020204030204" pitchFamily="49" charset="0"/>
+              </a:rPr>
+              <a:t>data</a:t>
+            </a:r>
+            <a:r>
+              <a:rPr lang="en-US" altLang="zh-TW" b="0" dirty="0">
+                <a:solidFill>
+                  <a:srgbClr val="F8F8F2"/>
+                </a:solidFill>
+                <a:effectLst/>
+                <a:latin typeface="Consolas" panose="020B0609020204030204" pitchFamily="49" charset="0"/>
+              </a:rPr>
+              <a:t>);</a:t>
+            </a:r>
+          </a:p>
+          <a:p>
+            <a:r>
+              <a:rPr lang="en-US" altLang="zh-TW" b="0" dirty="0">
+                <a:solidFill>
+                  <a:srgbClr val="F8F8F2"/>
+                </a:solidFill>
+                <a:effectLst/>
+                <a:latin typeface="Consolas" panose="020B0609020204030204" pitchFamily="49" charset="0"/>
+              </a:rPr>
+              <a:t>        </a:t>
+            </a:r>
+            <a:r>
+              <a:rPr lang="en-US" altLang="zh-TW" b="0" dirty="0">
+                <a:solidFill>
+                  <a:srgbClr val="F92672"/>
+                </a:solidFill>
+                <a:effectLst/>
+                <a:latin typeface="Consolas" panose="020B0609020204030204" pitchFamily="49" charset="0"/>
+              </a:rPr>
+              <a:t>return</a:t>
+            </a:r>
+            <a:r>
+              <a:rPr lang="en-US" altLang="zh-TW" b="0" dirty="0">
+                <a:solidFill>
+                  <a:srgbClr val="F8F8F2"/>
+                </a:solidFill>
+                <a:effectLst/>
+                <a:latin typeface="Consolas" panose="020B0609020204030204" pitchFamily="49" charset="0"/>
+              </a:rPr>
+              <a:t> </a:t>
+            </a:r>
+            <a:r>
+              <a:rPr lang="en-US" altLang="zh-TW" b="0" dirty="0" err="1">
+                <a:solidFill>
+                  <a:srgbClr val="F8F8F2"/>
+                </a:solidFill>
+                <a:effectLst/>
+                <a:latin typeface="Consolas" panose="020B0609020204030204" pitchFamily="49" charset="0"/>
+              </a:rPr>
+              <a:t>res</a:t>
+            </a:r>
+            <a:r>
+              <a:rPr lang="en-US" altLang="zh-TW" b="0" dirty="0" err="1">
+                <a:solidFill>
+                  <a:srgbClr val="F92672"/>
+                </a:solidFill>
+                <a:effectLst/>
+                <a:latin typeface="Consolas" panose="020B0609020204030204" pitchFamily="49" charset="0"/>
+              </a:rPr>
+              <a:t>.</a:t>
+            </a:r>
+            <a:r>
+              <a:rPr lang="en-US" altLang="zh-TW" b="0" dirty="0" err="1">
+                <a:solidFill>
+                  <a:srgbClr val="F8F8F2"/>
+                </a:solidFill>
+                <a:effectLst/>
+                <a:latin typeface="Consolas" panose="020B0609020204030204" pitchFamily="49" charset="0"/>
+              </a:rPr>
+              <a:t>data</a:t>
+            </a:r>
+            <a:r>
+              <a:rPr lang="en-US" altLang="zh-TW" b="0" dirty="0">
+                <a:solidFill>
+                  <a:srgbClr val="F8F8F2"/>
+                </a:solidFill>
+                <a:effectLst/>
+                <a:latin typeface="Consolas" panose="020B0609020204030204" pitchFamily="49" charset="0"/>
+              </a:rPr>
+              <a:t>;</a:t>
+            </a:r>
+          </a:p>
+          <a:p>
+            <a:r>
+              <a:rPr lang="en-US" altLang="zh-TW" b="0" dirty="0">
+                <a:solidFill>
+                  <a:srgbClr val="F8F8F2"/>
+                </a:solidFill>
+                <a:effectLst/>
+                <a:latin typeface="Consolas" panose="020B0609020204030204" pitchFamily="49" charset="0"/>
+              </a:rPr>
+              <a:t>      } </a:t>
+            </a:r>
+            <a:r>
+              <a:rPr lang="en-US" altLang="zh-TW" b="0" dirty="0">
+                <a:solidFill>
+                  <a:srgbClr val="F92672"/>
+                </a:solidFill>
+                <a:effectLst/>
+                <a:latin typeface="Consolas" panose="020B0609020204030204" pitchFamily="49" charset="0"/>
+              </a:rPr>
+              <a:t>catch</a:t>
+            </a:r>
+            <a:r>
+              <a:rPr lang="en-US" altLang="zh-TW" b="0" dirty="0">
+                <a:solidFill>
+                  <a:srgbClr val="F8F8F2"/>
+                </a:solidFill>
+                <a:effectLst/>
+                <a:latin typeface="Consolas" panose="020B0609020204030204" pitchFamily="49" charset="0"/>
+              </a:rPr>
+              <a:t> (error) {</a:t>
+            </a:r>
+          </a:p>
+          <a:p>
+            <a:r>
+              <a:rPr lang="en-US" altLang="zh-TW" b="0" dirty="0">
+                <a:solidFill>
+                  <a:srgbClr val="F8F8F2"/>
+                </a:solidFill>
+                <a:effectLst/>
+                <a:latin typeface="Consolas" panose="020B0609020204030204" pitchFamily="49" charset="0"/>
+              </a:rPr>
+              <a:t>        </a:t>
+            </a:r>
+            <a:r>
+              <a:rPr lang="en-US" altLang="zh-TW" b="0" i="1" dirty="0" err="1">
+                <a:solidFill>
+                  <a:srgbClr val="66D9EF"/>
+                </a:solidFill>
+                <a:effectLst/>
+                <a:latin typeface="Consolas" panose="020B0609020204030204" pitchFamily="49" charset="0"/>
+              </a:rPr>
+              <a:t>console</a:t>
+            </a:r>
+            <a:r>
+              <a:rPr lang="en-US" altLang="zh-TW" b="0" dirty="0" err="1">
+                <a:solidFill>
+                  <a:srgbClr val="F92672"/>
+                </a:solidFill>
+                <a:effectLst/>
+                <a:latin typeface="Consolas" panose="020B0609020204030204" pitchFamily="49" charset="0"/>
+              </a:rPr>
+              <a:t>.</a:t>
+            </a:r>
+            <a:r>
+              <a:rPr lang="en-US" altLang="zh-TW" b="0" dirty="0" err="1">
+                <a:solidFill>
+                  <a:srgbClr val="66D9EF"/>
+                </a:solidFill>
+                <a:effectLst/>
+                <a:latin typeface="Consolas" panose="020B0609020204030204" pitchFamily="49" charset="0"/>
+              </a:rPr>
+              <a:t>error</a:t>
+            </a:r>
+            <a:r>
+              <a:rPr lang="en-US" altLang="zh-TW" b="0" dirty="0">
+                <a:solidFill>
+                  <a:srgbClr val="F8F8F2"/>
+                </a:solidFill>
+                <a:effectLst/>
+                <a:latin typeface="Consolas" panose="020B0609020204030204" pitchFamily="49" charset="0"/>
+              </a:rPr>
+              <a:t>(error);</a:t>
+            </a:r>
+          </a:p>
+          <a:p>
+            <a:r>
+              <a:rPr lang="en-US" altLang="zh-TW" b="0" dirty="0">
+                <a:solidFill>
+                  <a:srgbClr val="F8F8F2"/>
+                </a:solidFill>
+                <a:effectLst/>
+                <a:latin typeface="Consolas" panose="020B0609020204030204" pitchFamily="49" charset="0"/>
+              </a:rPr>
+              <a:t>      }</a:t>
+            </a:r>
+          </a:p>
+          <a:p>
+            <a:r>
+              <a:rPr lang="en-US" altLang="zh-TW" b="0" dirty="0">
+                <a:solidFill>
+                  <a:srgbClr val="F8F8F2"/>
+                </a:solidFill>
+                <a:effectLst/>
+                <a:latin typeface="Consolas" panose="020B0609020204030204" pitchFamily="49" charset="0"/>
+              </a:rPr>
+              <a:t>    },</a:t>
+            </a:r>
+          </a:p>
+        </p:txBody>
+      </p:sp>
+      <p:sp>
+        <p:nvSpPr>
+          <p:cNvPr id="10" name="箭號: 向右 9">
+            <a:extLst>
+              <a:ext uri="{FF2B5EF4-FFF2-40B4-BE49-F238E27FC236}">
+                <a16:creationId xmlns:a16="http://schemas.microsoft.com/office/drawing/2014/main" id="{52CE83CD-54F8-43A4-83AF-0D5CF101A31E}"/>
+              </a:ext>
+            </a:extLst>
+          </p:cNvPr>
+          <p:cNvSpPr/>
+          <p:nvPr/>
+        </p:nvSpPr>
+        <p:spPr>
+          <a:xfrm rot="8805817">
+            <a:off x="6240639" y="1815355"/>
+            <a:ext cx="1428584" cy="954157"/>
+          </a:xfrm>
+          <a:prstGeom prst="rightArrow">
+            <a:avLst/>
+          </a:prstGeom>
+          <a:solidFill>
+            <a:schemeClr val="bg1"/>
+          </a:solidFill>
+          <a:ln w="76200">
+            <a:solidFill>
+              <a:srgbClr val="FFC000"/>
+            </a:solidFill>
+          </a:ln>
+        </p:spPr>
+        <p:style>
+          <a:lnRef idx="2">
+            <a:schemeClr val="accent1">
+              <a:shade val="50000"/>
+            </a:schemeClr>
+          </a:lnRef>
+          <a:fillRef idx="1">
+            <a:schemeClr val="accent1"/>
+          </a:fillRef>
+          <a:effectRef idx="0">
+            <a:schemeClr val="accent1"/>
+          </a:effectRef>
+          <a:fontRef idx="minor">
+            <a:schemeClr val="lt1"/>
+          </a:fontRef>
+        </p:style>
+        <p:txBody>
+          <a:bodyPr rtlCol="0" anchor="ctr"/>
+          <a:lstStyle/>
+          <a:p>
+            <a:pPr algn="ctr"/>
+            <a:endParaRPr lang="zh-TW" altLang="en-US"/>
+          </a:p>
+        </p:txBody>
+      </p:sp>
+    </p:spTree>
+    <p:extLst>
+      <p:ext uri="{BB962C8B-B14F-4D97-AF65-F5344CB8AC3E}">
+        <p14:creationId xmlns:p14="http://schemas.microsoft.com/office/powerpoint/2010/main" val="3029783395"/>
       </p:ext>
     </p:extLst>
   </p:cSld>
